--- a/Tecnologia da Informação e Conectividade/04-Ethernet.pptx
+++ b/Tecnologia da Informação e Conectividade/04-Ethernet.pptx
@@ -2,7 +2,7 @@
 <file path=ppt/presentation.xml><?xml version="1.0" encoding="utf-8"?>
 <p:presentation xmlns:a="http://schemas.openxmlformats.org/drawingml/2006/main" xmlns:r="http://schemas.openxmlformats.org/officeDocument/2006/relationships" xmlns:p="http://schemas.openxmlformats.org/presentationml/2006/main" saveSubsetFonts="1" autoCompressPictures="0">
   <p:sldMasterIdLst>
-    <p:sldMasterId id="2147483660" r:id="rId1"/>
+    <p:sldMasterId id="2147483672" r:id="rId1"/>
   </p:sldMasterIdLst>
   <p:sldIdLst>
     <p:sldId id="256" r:id="rId2"/>
@@ -12,9 +12,6 @@
     <p:sldId id="260" r:id="rId6"/>
     <p:sldId id="261" r:id="rId7"/>
     <p:sldId id="262" r:id="rId8"/>
-    <p:sldId id="263" r:id="rId9"/>
-    <p:sldId id="264" r:id="rId10"/>
-    <p:sldId id="265" r:id="rId11"/>
   </p:sldIdLst>
   <p:sldSz cx="9144000" cy="6858000" type="screen4x3"/>
   <p:notesSz cx="6858000" cy="9144000"/>
@@ -358,7 +355,7 @@
           <a:p>
             <a:fld id="{5BCAD085-E8A6-8845-BD4E-CB4CCA059FC4}" type="datetimeFigureOut">
               <a:rPr lang="en-US" smtClean="0"/>
-              <a:t>8/26/2025</a:t>
+              <a:t>8/27/2025</a:t>
             </a:fld>
             <a:endParaRPr lang="en-US"/>
           </a:p>
@@ -447,7 +444,7 @@
     </p:spTree>
     <p:extLst>
       <p:ext uri="{BB962C8B-B14F-4D97-AF65-F5344CB8AC3E}">
-        <p14:creationId xmlns:p14="http://schemas.microsoft.com/office/powerpoint/2010/main" val="3430844659"/>
+        <p14:creationId xmlns:p14="http://schemas.microsoft.com/office/powerpoint/2010/main" val="1761241029"/>
       </p:ext>
     </p:extLst>
   </p:cSld>
@@ -566,7 +563,7 @@
           <a:p>
             <a:fld id="{5BCAD085-E8A6-8845-BD4E-CB4CCA059FC4}" type="datetimeFigureOut">
               <a:rPr lang="en-US" smtClean="0"/>
-              <a:t>8/26/2025</a:t>
+              <a:t>8/27/2025</a:t>
             </a:fld>
             <a:endParaRPr lang="en-US"/>
           </a:p>
@@ -617,7 +614,7 @@
     </p:spTree>
     <p:extLst>
       <p:ext uri="{BB962C8B-B14F-4D97-AF65-F5344CB8AC3E}">
-        <p14:creationId xmlns:p14="http://schemas.microsoft.com/office/powerpoint/2010/main" val="4071316807"/>
+        <p14:creationId xmlns:p14="http://schemas.microsoft.com/office/powerpoint/2010/main" val="4091942217"/>
       </p:ext>
     </p:extLst>
   </p:cSld>
@@ -732,8 +729,8 @@
         </p:nvSpPr>
         <p:spPr>
           <a:xfrm>
-            <a:off x="6543675" y="414779"/>
-            <a:ext cx="1971675" cy="5757421"/>
+            <a:off x="6543675" y="412302"/>
+            <a:ext cx="1971675" cy="5759898"/>
           </a:xfrm>
         </p:spPr>
         <p:txBody>
@@ -760,8 +757,8 @@
         </p:nvSpPr>
         <p:spPr>
           <a:xfrm>
-            <a:off x="628650" y="414779"/>
-            <a:ext cx="5800725" cy="5757420"/>
+            <a:off x="628650" y="412302"/>
+            <a:ext cx="5800725" cy="5759898"/>
           </a:xfrm>
         </p:spPr>
         <p:txBody>
@@ -822,7 +819,7 @@
           <a:p>
             <a:fld id="{5BCAD085-E8A6-8845-BD4E-CB4CCA059FC4}" type="datetimeFigureOut">
               <a:rPr lang="en-US" smtClean="0"/>
-              <a:t>8/26/2025</a:t>
+              <a:t>8/27/2025</a:t>
             </a:fld>
             <a:endParaRPr lang="en-US"/>
           </a:p>
@@ -873,7 +870,7 @@
     </p:spTree>
     <p:extLst>
       <p:ext uri="{BB962C8B-B14F-4D97-AF65-F5344CB8AC3E}">
-        <p14:creationId xmlns:p14="http://schemas.microsoft.com/office/powerpoint/2010/main" val="460773624"/>
+        <p14:creationId xmlns:p14="http://schemas.microsoft.com/office/powerpoint/2010/main" val="2726317277"/>
       </p:ext>
     </p:extLst>
   </p:cSld>
@@ -992,7 +989,7 @@
           <a:p>
             <a:fld id="{5BCAD085-E8A6-8845-BD4E-CB4CCA059FC4}" type="datetimeFigureOut">
               <a:rPr lang="en-US" smtClean="0"/>
-              <a:t>8/26/2025</a:t>
+              <a:t>8/27/2025</a:t>
             </a:fld>
             <a:endParaRPr lang="en-US"/>
           </a:p>
@@ -1043,7 +1040,7 @@
     </p:spTree>
     <p:extLst>
       <p:ext uri="{BB962C8B-B14F-4D97-AF65-F5344CB8AC3E}">
-        <p14:creationId xmlns:p14="http://schemas.microsoft.com/office/powerpoint/2010/main" val="2933856241"/>
+        <p14:creationId xmlns:p14="http://schemas.microsoft.com/office/powerpoint/2010/main" val="919892473"/>
       </p:ext>
     </p:extLst>
   </p:cSld>
@@ -1335,7 +1332,7 @@
           <a:p>
             <a:fld id="{5BCAD085-E8A6-8845-BD4E-CB4CCA059FC4}" type="datetimeFigureOut">
               <a:rPr lang="en-US" smtClean="0"/>
-              <a:t>8/26/2025</a:t>
+              <a:t>8/27/2025</a:t>
             </a:fld>
             <a:endParaRPr lang="en-US"/>
           </a:p>
@@ -1424,7 +1421,7 @@
     </p:spTree>
     <p:extLst>
       <p:ext uri="{BB962C8B-B14F-4D97-AF65-F5344CB8AC3E}">
-        <p14:creationId xmlns:p14="http://schemas.microsoft.com/office/powerpoint/2010/main" val="3295362361"/>
+        <p14:creationId xmlns:p14="http://schemas.microsoft.com/office/powerpoint/2010/main" val="3403930975"/>
       </p:ext>
     </p:extLst>
   </p:cSld>
@@ -1548,8 +1545,8 @@
         </p:nvSpPr>
         <p:spPr>
           <a:xfrm>
-            <a:off x="4663440" y="1845736"/>
-            <a:ext cx="3703320" cy="4023359"/>
+            <a:off x="4663440" y="1845735"/>
+            <a:ext cx="3703320" cy="4023360"/>
           </a:xfrm>
         </p:spPr>
         <p:txBody>
@@ -1610,7 +1607,7 @@
           <a:p>
             <a:fld id="{5BCAD085-E8A6-8845-BD4E-CB4CCA059FC4}" type="datetimeFigureOut">
               <a:rPr lang="en-US" smtClean="0"/>
-              <a:t>8/26/2025</a:t>
+              <a:t>8/27/2025</a:t>
             </a:fld>
             <a:endParaRPr lang="en-US"/>
           </a:p>
@@ -1661,7 +1658,7 @@
     </p:spTree>
     <p:extLst>
       <p:ext uri="{BB962C8B-B14F-4D97-AF65-F5344CB8AC3E}">
-        <p14:creationId xmlns:p14="http://schemas.microsoft.com/office/powerpoint/2010/main" val="288466453"/>
+        <p14:creationId xmlns:p14="http://schemas.microsoft.com/office/powerpoint/2010/main" val="2719506225"/>
       </p:ext>
     </p:extLst>
   </p:cSld>
@@ -1800,7 +1797,7 @@
         <p:spPr>
           <a:xfrm>
             <a:off x="822960" y="2582334"/>
-            <a:ext cx="3703320" cy="3286760"/>
+            <a:ext cx="3703320" cy="3378200"/>
           </a:xfrm>
         </p:spPr>
         <p:txBody>
@@ -1928,7 +1925,7 @@
         <p:spPr>
           <a:xfrm>
             <a:off x="4663440" y="2582334"/>
-            <a:ext cx="3703320" cy="3286760"/>
+            <a:ext cx="3703320" cy="3378200"/>
           </a:xfrm>
         </p:spPr>
         <p:txBody>
@@ -1989,7 +1986,7 @@
           <a:p>
             <a:fld id="{5BCAD085-E8A6-8845-BD4E-CB4CCA059FC4}" type="datetimeFigureOut">
               <a:rPr lang="en-US" smtClean="0"/>
-              <a:t>8/26/2025</a:t>
+              <a:t>8/27/2025</a:t>
             </a:fld>
             <a:endParaRPr lang="en-US"/>
           </a:p>
@@ -2040,7 +2037,7 @@
     </p:spTree>
     <p:extLst>
       <p:ext uri="{BB962C8B-B14F-4D97-AF65-F5344CB8AC3E}">
-        <p14:creationId xmlns:p14="http://schemas.microsoft.com/office/powerpoint/2010/main" val="745641973"/>
+        <p14:creationId xmlns:p14="http://schemas.microsoft.com/office/powerpoint/2010/main" val="1380027500"/>
       </p:ext>
     </p:extLst>
   </p:cSld>
@@ -2107,7 +2104,7 @@
           <a:p>
             <a:fld id="{5BCAD085-E8A6-8845-BD4E-CB4CCA059FC4}" type="datetimeFigureOut">
               <a:rPr lang="en-US" smtClean="0"/>
-              <a:t>8/26/2025</a:t>
+              <a:t>8/27/2025</a:t>
             </a:fld>
             <a:endParaRPr lang="en-US"/>
           </a:p>
@@ -2158,7 +2155,7 @@
     </p:spTree>
     <p:extLst>
       <p:ext uri="{BB962C8B-B14F-4D97-AF65-F5344CB8AC3E}">
-        <p14:creationId xmlns:p14="http://schemas.microsoft.com/office/powerpoint/2010/main" val="4126314114"/>
+        <p14:creationId xmlns:p14="http://schemas.microsoft.com/office/powerpoint/2010/main" val="606442355"/>
       </p:ext>
     </p:extLst>
   </p:cSld>
@@ -2278,7 +2275,7 @@
           <a:p>
             <a:fld id="{5BCAD085-E8A6-8845-BD4E-CB4CCA059FC4}" type="datetimeFigureOut">
               <a:rPr lang="en-US" smtClean="0"/>
-              <a:t>8/26/2025</a:t>
+              <a:t>8/27/2025</a:t>
             </a:fld>
             <a:endParaRPr lang="en-US"/>
           </a:p>
@@ -2337,7 +2334,7 @@
     </p:spTree>
     <p:extLst>
       <p:ext uri="{BB962C8B-B14F-4D97-AF65-F5344CB8AC3E}">
-        <p14:creationId xmlns:p14="http://schemas.microsoft.com/office/powerpoint/2010/main" val="3126184323"/>
+        <p14:creationId xmlns:p14="http://schemas.microsoft.com/office/powerpoint/2010/main" val="2279173796"/>
       </p:ext>
     </p:extLst>
   </p:cSld>
@@ -2490,8 +2487,8 @@
         </p:nvSpPr>
         <p:spPr>
           <a:xfrm>
-            <a:off x="3460237" y="731520"/>
-            <a:ext cx="5009393" cy="5257800"/>
+            <a:off x="3600450" y="731520"/>
+            <a:ext cx="4869180" cy="5257800"/>
           </a:xfrm>
         </p:spPr>
         <p:txBody>
@@ -2632,7 +2629,7 @@
           <a:p>
             <a:fld id="{5BCAD085-E8A6-8845-BD4E-CB4CCA059FC4}" type="datetimeFigureOut">
               <a:rPr lang="en-US" smtClean="0"/>
-              <a:t>8/26/2025</a:t>
+              <a:t>8/27/2025</a:t>
             </a:fld>
             <a:endParaRPr lang="en-US"/>
           </a:p>
@@ -2704,7 +2701,7 @@
     </p:spTree>
     <p:extLst>
       <p:ext uri="{BB962C8B-B14F-4D97-AF65-F5344CB8AC3E}">
-        <p14:creationId xmlns:p14="http://schemas.microsoft.com/office/powerpoint/2010/main" val="2579177827"/>
+        <p14:creationId xmlns:p14="http://schemas.microsoft.com/office/powerpoint/2010/main" val="1510422333"/>
       </p:ext>
     </p:extLst>
   </p:cSld>
@@ -2820,7 +2817,7 @@
         <p:spPr>
           <a:xfrm>
             <a:off x="822960" y="5074920"/>
-            <a:ext cx="7589520" cy="822960"/>
+            <a:ext cx="7585234" cy="822960"/>
           </a:xfrm>
         </p:spPr>
         <p:txBody>
@@ -2860,23 +2857,18 @@
             <a:off x="12" y="0"/>
             <a:ext cx="9143989" cy="4915076"/>
           </a:xfrm>
-          <a:blipFill>
-            <a:blip r:embed="rId2"/>
-            <a:stretch>
-              <a:fillRect/>
-            </a:stretch>
-          </a:blipFill>
+          <a:solidFill>
+            <a:schemeClr val="bg2">
+              <a:lumMod val="90000"/>
+            </a:schemeClr>
+          </a:solidFill>
         </p:spPr>
         <p:txBody>
           <a:bodyPr lIns="457200" tIns="457200" anchor="t"/>
           <a:lstStyle>
             <a:lvl1pPr marL="0" indent="0">
               <a:buNone/>
-              <a:defRPr sz="3200">
-                <a:solidFill>
-                  <a:schemeClr val="bg1"/>
-                </a:solidFill>
-              </a:defRPr>
+              <a:defRPr sz="3200"/>
             </a:lvl1pPr>
             <a:lvl2pPr marL="457200" indent="0">
               <a:buNone/>
@@ -2932,7 +2924,7 @@
         </p:nvSpPr>
         <p:spPr>
           <a:xfrm>
-            <a:off x="822959" y="5907024"/>
+            <a:off x="822960" y="5907024"/>
             <a:ext cx="7589520" cy="594360"/>
           </a:xfrm>
         </p:spPr>
@@ -3014,7 +3006,7 @@
           <a:p>
             <a:fld id="{5BCAD085-E8A6-8845-BD4E-CB4CCA059FC4}" type="datetimeFigureOut">
               <a:rPr lang="en-US" smtClean="0"/>
-              <a:t>8/26/2025</a:t>
+              <a:t>8/27/2025</a:t>
             </a:fld>
             <a:endParaRPr lang="en-US"/>
           </a:p>
@@ -3065,7 +3057,7 @@
     </p:spTree>
     <p:extLst>
       <p:ext uri="{BB962C8B-B14F-4D97-AF65-F5344CB8AC3E}">
-        <p14:creationId xmlns:p14="http://schemas.microsoft.com/office/powerpoint/2010/main" val="2242405152"/>
+        <p14:creationId xmlns:p14="http://schemas.microsoft.com/office/powerpoint/2010/main" val="764404739"/>
       </p:ext>
     </p:extLst>
   </p:cSld>
@@ -3301,7 +3293,7 @@
           <a:p>
             <a:fld id="{5BCAD085-E8A6-8845-BD4E-CB4CCA059FC4}" type="datetimeFigureOut">
               <a:rPr lang="en-US" smtClean="0"/>
-              <a:t>8/26/2025</a:t>
+              <a:t>8/27/2025</a:t>
             </a:fld>
             <a:endParaRPr lang="en-US"/>
           </a:p>
@@ -3422,23 +3414,23 @@
     </p:spTree>
     <p:extLst>
       <p:ext uri="{BB962C8B-B14F-4D97-AF65-F5344CB8AC3E}">
-        <p14:creationId xmlns:p14="http://schemas.microsoft.com/office/powerpoint/2010/main" val="323536409"/>
+        <p14:creationId xmlns:p14="http://schemas.microsoft.com/office/powerpoint/2010/main" val="44035762"/>
       </p:ext>
     </p:extLst>
   </p:cSld>
   <p:clrMap bg1="lt1" tx1="dk1" bg2="lt2" tx2="dk2" accent1="accent1" accent2="accent2" accent3="accent3" accent4="accent4" accent5="accent5" accent6="accent6" hlink="hlink" folHlink="folHlink"/>
   <p:sldLayoutIdLst>
-    <p:sldLayoutId id="2147483661" r:id="rId1"/>
-    <p:sldLayoutId id="2147483662" r:id="rId2"/>
-    <p:sldLayoutId id="2147483663" r:id="rId3"/>
-    <p:sldLayoutId id="2147483664" r:id="rId4"/>
-    <p:sldLayoutId id="2147483665" r:id="rId5"/>
-    <p:sldLayoutId id="2147483666" r:id="rId6"/>
-    <p:sldLayoutId id="2147483667" r:id="rId7"/>
-    <p:sldLayoutId id="2147483668" r:id="rId8"/>
-    <p:sldLayoutId id="2147483669" r:id="rId9"/>
-    <p:sldLayoutId id="2147483670" r:id="rId10"/>
-    <p:sldLayoutId id="2147483671" r:id="rId11"/>
+    <p:sldLayoutId id="2147483673" r:id="rId1"/>
+    <p:sldLayoutId id="2147483674" r:id="rId2"/>
+    <p:sldLayoutId id="2147483675" r:id="rId3"/>
+    <p:sldLayoutId id="2147483676" r:id="rId4"/>
+    <p:sldLayoutId id="2147483677" r:id="rId5"/>
+    <p:sldLayoutId id="2147483678" r:id="rId6"/>
+    <p:sldLayoutId id="2147483679" r:id="rId7"/>
+    <p:sldLayoutId id="2147483680" r:id="rId8"/>
+    <p:sldLayoutId id="2147483681" r:id="rId9"/>
+    <p:sldLayoutId id="2147483682" r:id="rId10"/>
+    <p:sldLayoutId id="2147483683" r:id="rId11"/>
   </p:sldLayoutIdLst>
   <p:txStyles>
     <p:titleStyle>
@@ -3883,12 +3875,7 @@
             <p:ph type="ctrTitle"/>
           </p:nvPr>
         </p:nvSpPr>
-        <p:spPr>
-          <a:xfrm>
-            <a:off x="822960" y="758952"/>
-            <a:ext cx="7543800" cy="3566160"/>
-          </a:xfrm>
-        </p:spPr>
+        <p:spPr/>
         <p:txBody>
           <a:bodyPr>
             <a:normAutofit/>
@@ -3896,7 +3883,8 @@
           <a:lstStyle/>
           <a:p>
             <a:r>
-              <a:t>Aula 4 – Ethernet Básico</a:t>
+              <a:rPr dirty="0"/>
+              <a:t>Ethernet</a:t>
             </a:r>
           </a:p>
         </p:txBody>
@@ -3911,12 +3899,7 @@
             <p:ph type="subTitle" idx="1"/>
           </p:nvPr>
         </p:nvSpPr>
-        <p:spPr>
-          <a:xfrm>
-            <a:off x="825038" y="4455620"/>
-            <a:ext cx="7543800" cy="1143000"/>
-          </a:xfrm>
-        </p:spPr>
+        <p:spPr/>
         <p:txBody>
           <a:bodyPr>
             <a:normAutofit/>
@@ -3926,188 +3909,6 @@
             <a:r>
               <a:t>Quadro Ethernet e Endereços MAC</a:t>
             </a:r>
-          </a:p>
-        </p:txBody>
-      </p:sp>
-      <p:cxnSp>
-        <p:nvCxnSpPr>
-          <p:cNvPr id="9" name="Straight Connector 8">
-            <a:extLst>
-              <a:ext uri="{FF2B5EF4-FFF2-40B4-BE49-F238E27FC236}">
-                <a16:creationId xmlns:a16="http://schemas.microsoft.com/office/drawing/2014/main" id="{E6E50488-8E5E-4E36-9763-092234CAED4A}"/>
-              </a:ext>
-              <a:ext uri="{C183D7F6-B498-43B3-948B-1728B52AA6E4}">
-                <adec:decorative xmlns:adec="http://schemas.microsoft.com/office/drawing/2017/decorative" val="1"/>
-              </a:ext>
-            </a:extLst>
-          </p:cNvPr>
-          <p:cNvCxnSpPr>
-            <a:cxnSpLocks noGrp="1" noRot="1" noChangeAspect="1" noMove="1" noResize="1" noEditPoints="1" noAdjustHandles="1" noChangeArrowheads="1" noChangeShapeType="1"/>
-          </p:cNvCxnSpPr>
-          <p:nvPr>
-            <p:extLst>
-              <p:ext uri="{386F3935-93C4-4BCD-93E2-E3B085C9AB24}">
-                <p16:designElem xmlns:p16="http://schemas.microsoft.com/office/powerpoint/2015/main" val="1"/>
-              </p:ext>
-            </p:extLst>
-          </p:nvPr>
-        </p:nvCxnSpPr>
-        <p:spPr>
-          <a:xfrm>
-            <a:off x="905743" y="4343400"/>
-            <a:ext cx="7406640" cy="0"/>
-          </a:xfrm>
-          <a:prstGeom prst="line">
-            <a:avLst/>
-          </a:prstGeom>
-          <a:ln w="6350">
-            <a:solidFill>
-              <a:schemeClr val="tx2">
-                <a:alpha val="80000"/>
-              </a:schemeClr>
-            </a:solidFill>
-          </a:ln>
-        </p:spPr>
-        <p:style>
-          <a:lnRef idx="1">
-            <a:schemeClr val="accent1"/>
-          </a:lnRef>
-          <a:fillRef idx="0">
-            <a:schemeClr val="accent1"/>
-          </a:fillRef>
-          <a:effectRef idx="0">
-            <a:schemeClr val="accent1"/>
-          </a:effectRef>
-          <a:fontRef idx="minor">
-            <a:schemeClr val="tx1"/>
-          </a:fontRef>
-        </p:style>
-      </p:cxnSp>
-      <p:sp>
-        <p:nvSpPr>
-          <p:cNvPr id="11" name="Rectangle 10">
-            <a:extLst>
-              <a:ext uri="{FF2B5EF4-FFF2-40B4-BE49-F238E27FC236}">
-                <a16:creationId xmlns:a16="http://schemas.microsoft.com/office/drawing/2014/main" id="{B9E780F8-2452-4595-A281-E594BA83DB0D}"/>
-              </a:ext>
-              <a:ext uri="{C183D7F6-B498-43B3-948B-1728B52AA6E4}">
-                <adec:decorative xmlns:adec="http://schemas.microsoft.com/office/drawing/2017/decorative" val="1"/>
-              </a:ext>
-            </a:extLst>
-          </p:cNvPr>
-          <p:cNvSpPr>
-            <a:spLocks noGrp="1" noRot="1" noChangeAspect="1" noMove="1" noResize="1" noEditPoints="1" noAdjustHandles="1" noChangeArrowheads="1" noChangeShapeType="1" noTextEdit="1"/>
-          </p:cNvSpPr>
-          <p:nvPr>
-            <p:extLst>
-              <p:ext uri="{386F3935-93C4-4BCD-93E2-E3B085C9AB24}">
-                <p16:designElem xmlns:p16="http://schemas.microsoft.com/office/powerpoint/2015/main" val="1"/>
-              </p:ext>
-            </p:extLst>
-          </p:nvPr>
-        </p:nvSpPr>
-        <p:spPr>
-          <a:xfrm>
-            <a:off x="11" y="6334316"/>
-            <a:ext cx="9143989" cy="66484"/>
-          </a:xfrm>
-          <a:prstGeom prst="rect">
-            <a:avLst/>
-          </a:prstGeom>
-          <a:solidFill>
-            <a:schemeClr val="accent1">
-              <a:alpha val="80000"/>
-            </a:schemeClr>
-          </a:solidFill>
-          <a:ln>
-            <a:noFill/>
-          </a:ln>
-        </p:spPr>
-        <p:style>
-          <a:lnRef idx="2">
-            <a:schemeClr val="accent1">
-              <a:shade val="50000"/>
-            </a:schemeClr>
-          </a:lnRef>
-          <a:fillRef idx="1">
-            <a:schemeClr val="accent1"/>
-          </a:fillRef>
-          <a:effectRef idx="0">
-            <a:schemeClr val="accent1"/>
-          </a:effectRef>
-          <a:fontRef idx="minor">
-            <a:schemeClr val="lt1"/>
-          </a:fontRef>
-        </p:style>
-        <p:txBody>
-          <a:bodyPr/>
-          <a:lstStyle/>
-          <a:p>
-            <a:endParaRPr lang="en-US"/>
-          </a:p>
-        </p:txBody>
-      </p:sp>
-      <p:sp>
-        <p:nvSpPr>
-          <p:cNvPr id="13" name="Rectangle 12">
-            <a:extLst>
-              <a:ext uri="{FF2B5EF4-FFF2-40B4-BE49-F238E27FC236}">
-                <a16:creationId xmlns:a16="http://schemas.microsoft.com/office/drawing/2014/main" id="{A917F44A-7774-4C79-BEDC-0CC73C8C0E04}"/>
-              </a:ext>
-              <a:ext uri="{C183D7F6-B498-43B3-948B-1728B52AA6E4}">
-                <adec:decorative xmlns:adec="http://schemas.microsoft.com/office/drawing/2017/decorative" val="1"/>
-              </a:ext>
-            </a:extLst>
-          </p:cNvPr>
-          <p:cNvSpPr>
-            <a:spLocks noGrp="1" noRot="1" noChangeAspect="1" noMove="1" noResize="1" noEditPoints="1" noAdjustHandles="1" noChangeArrowheads="1" noChangeShapeType="1" noTextEdit="1"/>
-          </p:cNvSpPr>
-          <p:nvPr>
-            <p:extLst>
-              <p:ext uri="{386F3935-93C4-4BCD-93E2-E3B085C9AB24}">
-                <p16:designElem xmlns:p16="http://schemas.microsoft.com/office/powerpoint/2015/main" val="1"/>
-              </p:ext>
-            </p:extLst>
-          </p:nvPr>
-        </p:nvSpPr>
-        <p:spPr>
-          <a:xfrm>
-            <a:off x="0" y="6400800"/>
-            <a:ext cx="9144000" cy="457200"/>
-          </a:xfrm>
-          <a:prstGeom prst="rect">
-            <a:avLst/>
-          </a:prstGeom>
-          <a:solidFill>
-            <a:schemeClr val="accent2">
-              <a:alpha val="80000"/>
-            </a:schemeClr>
-          </a:solidFill>
-          <a:ln>
-            <a:noFill/>
-          </a:ln>
-        </p:spPr>
-        <p:style>
-          <a:lnRef idx="2">
-            <a:schemeClr val="accent1">
-              <a:shade val="50000"/>
-            </a:schemeClr>
-          </a:lnRef>
-          <a:fillRef idx="1">
-            <a:schemeClr val="accent1"/>
-          </a:fillRef>
-          <a:effectRef idx="0">
-            <a:schemeClr val="accent1"/>
-          </a:effectRef>
-          <a:fontRef idx="minor">
-            <a:schemeClr val="lt1"/>
-          </a:fontRef>
-        </p:style>
-        <p:txBody>
-          <a:bodyPr/>
-          <a:lstStyle/>
-          <a:p>
-            <a:endParaRPr lang="en-US"/>
           </a:p>
         </p:txBody>
       </p:sp>
@@ -4258,73 +4059,6 @@
 </p:sld>
 </file>
 
-<file path=ppt/slides/slide10.xml><?xml version="1.0" encoding="utf-8"?>
-<p:sld xmlns:a="http://schemas.openxmlformats.org/drawingml/2006/main" xmlns:r="http://schemas.openxmlformats.org/officeDocument/2006/relationships" xmlns:p="http://schemas.openxmlformats.org/presentationml/2006/main">
-  <p:cSld>
-    <p:spTree>
-      <p:nvGrpSpPr>
-        <p:cNvPr id="1" name=""/>
-        <p:cNvGrpSpPr/>
-        <p:nvPr/>
-      </p:nvGrpSpPr>
-      <p:grpSpPr>
-        <a:xfrm>
-          <a:off x="0" y="0"/>
-          <a:ext cx="0" cy="0"/>
-          <a:chOff x="0" y="0"/>
-          <a:chExt cx="0" cy="0"/>
-        </a:xfrm>
-      </p:grpSpPr>
-      <p:sp>
-        <p:nvSpPr>
-          <p:cNvPr id="2" name="Title 1"/>
-          <p:cNvSpPr>
-            <a:spLocks noGrp="1"/>
-          </p:cNvSpPr>
-          <p:nvPr>
-            <p:ph type="title"/>
-          </p:nvPr>
-        </p:nvSpPr>
-        <p:spPr/>
-        <p:txBody>
-          <a:bodyPr/>
-          <a:lstStyle/>
-          <a:p>
-            <a:r>
-              <a:t>Próxima Aula</a:t>
-            </a:r>
-          </a:p>
-        </p:txBody>
-      </p:sp>
-      <p:sp>
-        <p:nvSpPr>
-          <p:cNvPr id="3" name="Content Placeholder 2"/>
-          <p:cNvSpPr>
-            <a:spLocks noGrp="1"/>
-          </p:cNvSpPr>
-          <p:nvPr>
-            <p:ph idx="1"/>
-          </p:nvPr>
-        </p:nvSpPr>
-        <p:spPr/>
-        <p:txBody>
-          <a:bodyPr/>
-          <a:lstStyle/>
-          <a:p>
-            <a:r>
-              <a:t>Na próxima aula estudaremos VLANs: segmentação lógica de redes locais.</a:t>
-            </a:r>
-          </a:p>
-        </p:txBody>
-      </p:sp>
-    </p:spTree>
-  </p:cSld>
-  <p:clrMapOvr>
-    <a:masterClrMapping/>
-  </p:clrMapOvr>
-</p:sld>
-</file>
-
 <file path=ppt/slides/slide2.xml><?xml version="1.0" encoding="utf-8"?>
 <p:sld xmlns:a="http://schemas.openxmlformats.org/drawingml/2006/main" xmlns:r="http://schemas.openxmlformats.org/officeDocument/2006/relationships" xmlns:p="http://schemas.openxmlformats.org/presentationml/2006/main">
   <p:cSld>
@@ -5023,7 +4757,35 @@
           <a:lstStyle/>
           <a:p>
             <a:r>
-              <a:t>Objetivo: Montar rede simples e observar endereços MAC.</a:t>
+              <a:rPr dirty="0" err="1"/>
+              <a:t>Objetivo</a:t>
+            </a:r>
+            <a:r>
+              <a:rPr dirty="0"/>
+              <a:t>: </a:t>
+            </a:r>
+            <a:r>
+              <a:rPr dirty="0" err="1"/>
+              <a:t>Montar</a:t>
+            </a:r>
+            <a:r>
+              <a:rPr dirty="0"/>
+              <a:t> rede simples e </a:t>
+            </a:r>
+            <a:r>
+              <a:rPr dirty="0" err="1"/>
+              <a:t>observar</a:t>
+            </a:r>
+            <a:r>
+              <a:rPr dirty="0"/>
+              <a:t> </a:t>
+            </a:r>
+            <a:r>
+              <a:rPr dirty="0" err="1"/>
+              <a:t>endereços</a:t>
+            </a:r>
+            <a:r>
+              <a:t> MAC.</a:t>
             </a:r>
           </a:p>
           <a:p>
@@ -5031,267 +4793,110 @@
           </a:p>
           <a:p>
             <a:r>
-              <a:t>Passo a passo:</a:t>
-            </a:r>
-          </a:p>
-          <a:p>
-            <a:r>
-              <a:t>1. Inserir 1 switch e 3 PCs.</a:t>
-            </a:r>
-          </a:p>
-          <a:p>
-            <a:r>
-              <a:t>2. Conectar com cabos diretos.</a:t>
-            </a:r>
-          </a:p>
-          <a:p>
-            <a:r>
-              <a:t>3. Configurar IPs:</a:t>
-            </a:r>
-          </a:p>
-          <a:p>
-            <a:r>
+              <a:rPr dirty="0"/>
+              <a:t>Passo a </a:t>
+            </a:r>
+            <a:r>
+              <a:rPr dirty="0" err="1"/>
+              <a:t>passo</a:t>
+            </a:r>
+            <a:r>
+              <a:rPr dirty="0"/>
+              <a:t>:</a:t>
+            </a:r>
+          </a:p>
+          <a:p>
+            <a:r>
+              <a:rPr dirty="0"/>
+              <a:t>1. </a:t>
+            </a:r>
+            <a:r>
+              <a:rPr dirty="0" err="1"/>
+              <a:t>Inserir</a:t>
+            </a:r>
+            <a:r>
+              <a:rPr dirty="0"/>
+              <a:t> 1 switch e 3 PCs.</a:t>
+            </a:r>
+          </a:p>
+          <a:p>
+            <a:r>
+              <a:rPr dirty="0"/>
+              <a:t>2. </a:t>
+            </a:r>
+            <a:r>
+              <a:rPr dirty="0" err="1"/>
+              <a:t>Conectar</a:t>
+            </a:r>
+            <a:r>
+              <a:rPr dirty="0"/>
+              <a:t> com </a:t>
+            </a:r>
+            <a:r>
+              <a:rPr dirty="0" err="1"/>
+              <a:t>cabos</a:t>
+            </a:r>
+            <a:r>
+              <a:rPr dirty="0"/>
+              <a:t> </a:t>
+            </a:r>
+            <a:r>
+              <a:rPr dirty="0" err="1"/>
+              <a:t>diretos</a:t>
+            </a:r>
+            <a:r>
+              <a:rPr dirty="0"/>
+              <a:t>.</a:t>
+            </a:r>
+          </a:p>
+          <a:p>
+            <a:r>
+              <a:rPr dirty="0"/>
+              <a:t>3. </a:t>
+            </a:r>
+            <a:r>
+              <a:rPr dirty="0" err="1"/>
+              <a:t>Configurar</a:t>
+            </a:r>
+            <a:r>
+              <a:rPr dirty="0"/>
+              <a:t> IPs:</a:t>
+            </a:r>
+          </a:p>
+          <a:p>
+            <a:r>
+              <a:rPr dirty="0"/>
               <a:t>   - PC1: 192.168.1.1/24</a:t>
             </a:r>
           </a:p>
           <a:p>
             <a:r>
+              <a:rPr dirty="0"/>
               <a:t>   - PC2: 192.168.1.2/24</a:t>
             </a:r>
           </a:p>
           <a:p>
             <a:r>
+              <a:rPr dirty="0"/>
               <a:t>   - PC3: 192.168.1.3/24</a:t>
             </a:r>
           </a:p>
           <a:p>
             <a:r>
+              <a:rPr dirty="0"/>
               <a:t>4. Testar ping.</a:t>
             </a:r>
           </a:p>
           <a:p>
             <a:r>
+              <a:rPr dirty="0"/>
               <a:t>5. Ver MAC: ipconfig /all.</a:t>
             </a:r>
           </a:p>
           <a:p>
             <a:r>
+              <a:rPr dirty="0"/>
               <a:t>6. Switch: show mac-address-table.</a:t>
-            </a:r>
-          </a:p>
-        </p:txBody>
-      </p:sp>
-    </p:spTree>
-  </p:cSld>
-  <p:clrMapOvr>
-    <a:masterClrMapping/>
-  </p:clrMapOvr>
-</p:sld>
-</file>
-
-<file path=ppt/slides/slide8.xml><?xml version="1.0" encoding="utf-8"?>
-<p:sld xmlns:a="http://schemas.openxmlformats.org/drawingml/2006/main" xmlns:r="http://schemas.openxmlformats.org/officeDocument/2006/relationships" xmlns:p="http://schemas.openxmlformats.org/presentationml/2006/main">
-  <p:cSld>
-    <p:spTree>
-      <p:nvGrpSpPr>
-        <p:cNvPr id="1" name=""/>
-        <p:cNvGrpSpPr/>
-        <p:nvPr/>
-      </p:nvGrpSpPr>
-      <p:grpSpPr>
-        <a:xfrm>
-          <a:off x="0" y="0"/>
-          <a:ext cx="0" cy="0"/>
-          <a:chOff x="0" y="0"/>
-          <a:chExt cx="0" cy="0"/>
-        </a:xfrm>
-      </p:grpSpPr>
-      <p:sp>
-        <p:nvSpPr>
-          <p:cNvPr id="2" name="Title 1"/>
-          <p:cNvSpPr>
-            <a:spLocks noGrp="1"/>
-          </p:cNvSpPr>
-          <p:nvPr>
-            <p:ph type="title"/>
-          </p:nvPr>
-        </p:nvSpPr>
-        <p:spPr/>
-        <p:txBody>
-          <a:bodyPr/>
-          <a:lstStyle/>
-          <a:p>
-            <a:r>
-              <a:t>Atividade Proposta</a:t>
-            </a:r>
-          </a:p>
-        </p:txBody>
-      </p:sp>
-      <p:sp>
-        <p:nvSpPr>
-          <p:cNvPr id="3" name="Content Placeholder 2"/>
-          <p:cNvSpPr>
-            <a:spLocks noGrp="1"/>
-          </p:cNvSpPr>
-          <p:nvPr>
-            <p:ph idx="1"/>
-          </p:nvPr>
-        </p:nvSpPr>
-        <p:spPr/>
-        <p:txBody>
-          <a:bodyPr>
-            <a:normAutofit fontScale="55000" lnSpcReduction="20000"/>
-          </a:bodyPr>
-          <a:lstStyle/>
-          <a:p>
-            <a:r>
-              <a:t>Situação: Uma empresa precisa conectar 3 PCs.</a:t>
-            </a:r>
-          </a:p>
-          <a:p>
-            <a:endParaRPr/>
-          </a:p>
-          <a:p>
-            <a:r>
-              <a:t>Tarefas:</a:t>
-            </a:r>
-          </a:p>
-          <a:p>
-            <a:r>
-              <a:t>- Montar a rede com 1 switch e 3 PCs.</a:t>
-            </a:r>
-          </a:p>
-          <a:p>
-            <a:r>
-              <a:t>- Configurar IPs na mesma sub-rede.</a:t>
-            </a:r>
-          </a:p>
-          <a:p>
-            <a:r>
-              <a:t>- Verificar conectividade com ping.</a:t>
-            </a:r>
-          </a:p>
-          <a:p>
-            <a:r>
-              <a:t>- Descobrir endereço MAC de cada PC.</a:t>
-            </a:r>
-          </a:p>
-          <a:p>
-            <a:r>
-              <a:t>- Consultar a tabela MAC do switch.</a:t>
-            </a:r>
-          </a:p>
-          <a:p>
-            <a:endParaRPr/>
-          </a:p>
-          <a:p>
-            <a:r>
-              <a:t>Critérios de sucesso:</a:t>
-            </a:r>
-          </a:p>
-          <a:p>
-            <a:r>
-              <a:t>- Comunicação entre PCs.</a:t>
-            </a:r>
-          </a:p>
-          <a:p>
-            <a:r>
-              <a:t>- IPs e MACs identificados.</a:t>
-            </a:r>
-          </a:p>
-          <a:p>
-            <a:r>
-              <a:t>- Tabela MAC preenchida no switch.</a:t>
-            </a:r>
-          </a:p>
-        </p:txBody>
-      </p:sp>
-    </p:spTree>
-  </p:cSld>
-  <p:clrMapOvr>
-    <a:masterClrMapping/>
-  </p:clrMapOvr>
-</p:sld>
-</file>
-
-<file path=ppt/slides/slide9.xml><?xml version="1.0" encoding="utf-8"?>
-<p:sld xmlns:a="http://schemas.openxmlformats.org/drawingml/2006/main" xmlns:r="http://schemas.openxmlformats.org/officeDocument/2006/relationships" xmlns:p="http://schemas.openxmlformats.org/presentationml/2006/main">
-  <p:cSld>
-    <p:spTree>
-      <p:nvGrpSpPr>
-        <p:cNvPr id="1" name=""/>
-        <p:cNvGrpSpPr/>
-        <p:nvPr/>
-      </p:nvGrpSpPr>
-      <p:grpSpPr>
-        <a:xfrm>
-          <a:off x="0" y="0"/>
-          <a:ext cx="0" cy="0"/>
-          <a:chOff x="0" y="0"/>
-          <a:chExt cx="0" cy="0"/>
-        </a:xfrm>
-      </p:grpSpPr>
-      <p:sp>
-        <p:nvSpPr>
-          <p:cNvPr id="2" name="Title 1"/>
-          <p:cNvSpPr>
-            <a:spLocks noGrp="1"/>
-          </p:cNvSpPr>
-          <p:nvPr>
-            <p:ph type="title"/>
-          </p:nvPr>
-        </p:nvSpPr>
-        <p:spPr/>
-        <p:txBody>
-          <a:bodyPr/>
-          <a:lstStyle/>
-          <a:p>
-            <a:r>
-              <a:t>Reflexão Final</a:t>
-            </a:r>
-          </a:p>
-        </p:txBody>
-      </p:sp>
-      <p:sp>
-        <p:nvSpPr>
-          <p:cNvPr id="3" name="Content Placeholder 2"/>
-          <p:cNvSpPr>
-            <a:spLocks noGrp="1"/>
-          </p:cNvSpPr>
-          <p:nvPr>
-            <p:ph idx="1"/>
-          </p:nvPr>
-        </p:nvSpPr>
-        <p:spPr/>
-        <p:txBody>
-          <a:bodyPr/>
-          <a:lstStyle/>
-          <a:p>
-            <a:r>
-              <a:t>- MAC é essencial na rede local.</a:t>
-            </a:r>
-          </a:p>
-          <a:p>
-            <a:r>
-              <a:t>- Switch armazena MACs em sua tabela.</a:t>
-            </a:r>
-          </a:p>
-          <a:p>
-            <a:r>
-              <a:t>- Quadro Ethernet carrega origem e destino.</a:t>
-            </a:r>
-          </a:p>
-          <a:p>
-            <a:r>
-              <a:t>- IP é necessário apenas em comunicações entre redes.</a:t>
-            </a:r>
-          </a:p>
-          <a:p>
-            <a:endParaRPr/>
-          </a:p>
-          <a:p>
-            <a:r>
-              <a:t>Pergunta: Se já temos o MAC, por que também precisamos de IP?</a:t>
             </a:r>
           </a:p>
         </p:txBody>
@@ -5309,40 +4914,40 @@
   <a:themeElements>
     <a:clrScheme name="Retrospect">
       <a:dk1>
-        <a:srgbClr val="000000"/>
+        <a:sysClr val="windowText" lastClr="000000"/>
       </a:dk1>
       <a:lt1>
         <a:sysClr val="window" lastClr="FFFFFF"/>
       </a:lt1>
       <a:dk2>
-        <a:srgbClr val="637052"/>
+        <a:srgbClr val="455F51"/>
       </a:dk2>
       <a:lt2>
-        <a:srgbClr val="CCDDEA"/>
+        <a:srgbClr val="E2DFCC"/>
       </a:lt2>
       <a:accent1>
-        <a:srgbClr val="E48312"/>
+        <a:srgbClr val="99CB38"/>
       </a:accent1>
       <a:accent2>
-        <a:srgbClr val="BD582C"/>
+        <a:srgbClr val="63A537"/>
       </a:accent2>
       <a:accent3>
-        <a:srgbClr val="865640"/>
+        <a:srgbClr val="37A76F"/>
       </a:accent3>
       <a:accent4>
-        <a:srgbClr val="9B8357"/>
+        <a:srgbClr val="44C1A3"/>
       </a:accent4>
       <a:accent5>
-        <a:srgbClr val="C2BC80"/>
+        <a:srgbClr val="4EB3CF"/>
       </a:accent5>
       <a:accent6>
-        <a:srgbClr val="94A088"/>
+        <a:srgbClr val="51C3F9"/>
       </a:accent6>
       <a:hlink>
-        <a:srgbClr val="2998E3"/>
+        <a:srgbClr val="6B9F25"/>
       </a:hlink>
       <a:folHlink>
-        <a:srgbClr val="8C8C8C"/>
+        <a:srgbClr val="B26B02"/>
       </a:folHlink>
     </a:clrScheme>
     <a:fontScheme name="Retrospect">
@@ -5581,7 +5186,7 @@
   <a:extraClrSchemeLst/>
   <a:extLst>
     <a:ext uri="{05A4C25C-085E-4340-85A3-A5531E510DB2}">
-      <thm15:themeFamily xmlns:thm15="http://schemas.microsoft.com/office/thememl/2012/main" name="Retrospect" id="{5F128B03-DCCA-4EEB-AB3B-CF2899314A46}" vid="{3F1AAB62-24C6-49D2-8E01-B56FAC9A3DCD}"/>
+      <thm15:themeFamily xmlns:thm15="http://schemas.microsoft.com/office/thememl/2012/main" name="Retrospect" id="{5F128B03-DCCA-4EEB-AB3B-CF2899314A46}" vid="{D26EA377-59BD-4C9C-9D94-EE8416EE4C79}"/>
     </a:ext>
   </a:extLst>
 </a:theme>
